--- a/2018-02-05_BroadE_workshop/slides/2018-02-05_09b_Closing.pptx
+++ b/2018-02-05_BroadE_workshop/slides/2018-02-05_09b_Closing.pptx
@@ -212,7 +212,7 @@
           <a:p>
             <a:fld id="{CB8DDA02-F0B5-43F3-A05C-22F18A98662D}" type="datetimeFigureOut">
               <a:rPr lang="en-US" smtClean="0"/>
-              <a:t>1/31/2018</a:t>
+              <a:t>2/4/2018</a:t>
             </a:fld>
             <a:endParaRPr lang="en-US"/>
           </a:p>
@@ -868,7 +868,7 @@
           <a:p>
             <a:fld id="{E3D7C9BC-8C13-4201-8978-5F07EB83666A}" type="datetimeFigureOut">
               <a:rPr lang="en-US" smtClean="0"/>
-              <a:t>1/31/2018</a:t>
+              <a:t>2/4/2018</a:t>
             </a:fld>
             <a:endParaRPr lang="en-US"/>
           </a:p>
@@ -1038,7 +1038,7 @@
           <a:p>
             <a:fld id="{E3D7C9BC-8C13-4201-8978-5F07EB83666A}" type="datetimeFigureOut">
               <a:rPr lang="en-US" smtClean="0"/>
-              <a:t>1/31/2018</a:t>
+              <a:t>2/4/2018</a:t>
             </a:fld>
             <a:endParaRPr lang="en-US"/>
           </a:p>
@@ -1218,7 +1218,7 @@
           <a:p>
             <a:fld id="{E3D7C9BC-8C13-4201-8978-5F07EB83666A}" type="datetimeFigureOut">
               <a:rPr lang="en-US" smtClean="0"/>
-              <a:t>1/31/2018</a:t>
+              <a:t>2/4/2018</a:t>
             </a:fld>
             <a:endParaRPr lang="en-US"/>
           </a:p>
@@ -1866,7 +1866,7 @@
           <a:p>
             <a:fld id="{E3D7C9BC-8C13-4201-8978-5F07EB83666A}" type="datetimeFigureOut">
               <a:rPr lang="en-US" smtClean="0"/>
-              <a:t>1/31/2018</a:t>
+              <a:t>2/4/2018</a:t>
             </a:fld>
             <a:endParaRPr lang="en-US"/>
           </a:p>
@@ -2112,7 +2112,7 @@
           <a:p>
             <a:fld id="{E3D7C9BC-8C13-4201-8978-5F07EB83666A}" type="datetimeFigureOut">
               <a:rPr lang="en-US" smtClean="0"/>
-              <a:t>1/31/2018</a:t>
+              <a:t>2/4/2018</a:t>
             </a:fld>
             <a:endParaRPr lang="en-US"/>
           </a:p>
@@ -2400,7 +2400,7 @@
           <a:p>
             <a:fld id="{E3D7C9BC-8C13-4201-8978-5F07EB83666A}" type="datetimeFigureOut">
               <a:rPr lang="en-US" smtClean="0"/>
-              <a:t>1/31/2018</a:t>
+              <a:t>2/4/2018</a:t>
             </a:fld>
             <a:endParaRPr lang="en-US"/>
           </a:p>
@@ -2822,7 +2822,7 @@
           <a:p>
             <a:fld id="{E3D7C9BC-8C13-4201-8978-5F07EB83666A}" type="datetimeFigureOut">
               <a:rPr lang="en-US" smtClean="0"/>
-              <a:t>1/31/2018</a:t>
+              <a:t>2/4/2018</a:t>
             </a:fld>
             <a:endParaRPr lang="en-US"/>
           </a:p>
@@ -2940,7 +2940,7 @@
           <a:p>
             <a:fld id="{E3D7C9BC-8C13-4201-8978-5F07EB83666A}" type="datetimeFigureOut">
               <a:rPr lang="en-US" smtClean="0"/>
-              <a:t>1/31/2018</a:t>
+              <a:t>2/4/2018</a:t>
             </a:fld>
             <a:endParaRPr lang="en-US"/>
           </a:p>
@@ -3035,7 +3035,7 @@
           <a:p>
             <a:fld id="{E3D7C9BC-8C13-4201-8978-5F07EB83666A}" type="datetimeFigureOut">
               <a:rPr lang="en-US" smtClean="0"/>
-              <a:t>1/31/2018</a:t>
+              <a:t>2/4/2018</a:t>
             </a:fld>
             <a:endParaRPr lang="en-US"/>
           </a:p>
@@ -3312,7 +3312,7 @@
           <a:p>
             <a:fld id="{E3D7C9BC-8C13-4201-8978-5F07EB83666A}" type="datetimeFigureOut">
               <a:rPr lang="en-US" smtClean="0"/>
-              <a:t>1/31/2018</a:t>
+              <a:t>2/4/2018</a:t>
             </a:fld>
             <a:endParaRPr lang="en-US"/>
           </a:p>
@@ -3565,7 +3565,7 @@
           <a:p>
             <a:fld id="{E3D7C9BC-8C13-4201-8978-5F07EB83666A}" type="datetimeFigureOut">
               <a:rPr lang="en-US" smtClean="0"/>
-              <a:t>1/31/2018</a:t>
+              <a:t>2/4/2018</a:t>
             </a:fld>
             <a:endParaRPr lang="en-US"/>
           </a:p>
@@ -3778,7 +3778,7 @@
           <a:p>
             <a:fld id="{E3D7C9BC-8C13-4201-8978-5F07EB83666A}" type="datetimeFigureOut">
               <a:rPr lang="en-US" smtClean="0"/>
-              <a:t>1/31/2018</a:t>
+              <a:t>2/4/2018</a:t>
             </a:fld>
             <a:endParaRPr lang="en-US"/>
           </a:p>
@@ -5266,7 +5266,7 @@
         <p:spPr>
           <a:xfrm>
             <a:off x="685800" y="808038"/>
-            <a:ext cx="7696200" cy="4893647"/>
+            <a:ext cx="7696200" cy="4832092"/>
           </a:xfrm>
           <a:prstGeom prst="rect">
             <a:avLst/>
@@ -5281,19 +5281,19 @@
           <a:p>
             <a:pPr algn="ctr"/>
             <a:r>
-              <a:rPr lang="en-US" sz="2400" dirty="0" smtClean="0"/>
+              <a:rPr lang="en-US" sz="2200" dirty="0" smtClean="0"/>
               <a:t>Peter </a:t>
             </a:r>
             <a:r>
-              <a:rPr lang="en-US" sz="2400" dirty="0" err="1" smtClean="0"/>
+              <a:rPr lang="en-US" sz="2200" dirty="0" err="1" smtClean="0"/>
               <a:t>Carr</a:t>
             </a:r>
             <a:r>
-              <a:rPr lang="en-US" sz="2400" dirty="0" smtClean="0"/>
+              <a:rPr lang="en-US" sz="2200" dirty="0" smtClean="0"/>
               <a:t> – </a:t>
             </a:r>
             <a:r>
-              <a:rPr lang="en-US" sz="2400" dirty="0" smtClean="0">
+              <a:rPr lang="en-US" sz="2200" dirty="0" smtClean="0">
                 <a:solidFill>
                   <a:schemeClr val="tx2"/>
                 </a:solidFill>
@@ -5304,19 +5304,19 @@
           <a:p>
             <a:pPr algn="ctr"/>
             <a:r>
-              <a:rPr lang="en-US" sz="2400" dirty="0" smtClean="0"/>
+              <a:rPr lang="en-US" sz="2200" dirty="0" smtClean="0"/>
               <a:t>David </a:t>
             </a:r>
             <a:r>
-              <a:rPr lang="en-US" sz="2400" dirty="0" err="1" smtClean="0"/>
+              <a:rPr lang="en-US" sz="2200" dirty="0" err="1" smtClean="0"/>
               <a:t>Eby</a:t>
             </a:r>
             <a:r>
-              <a:rPr lang="en-US" sz="2400" dirty="0" smtClean="0"/>
+              <a:rPr lang="en-US" sz="2200" dirty="0" smtClean="0"/>
               <a:t> - </a:t>
             </a:r>
             <a:r>
-              <a:rPr lang="en-US" sz="2400" dirty="0" smtClean="0">
+              <a:rPr lang="en-US" sz="2200" dirty="0" smtClean="0">
                 <a:solidFill>
                   <a:schemeClr val="accent2"/>
                 </a:solidFill>
@@ -5327,11 +5327,11 @@
           <a:p>
             <a:pPr algn="ctr"/>
             <a:r>
-              <a:rPr lang="en-US" sz="2400" dirty="0" smtClean="0"/>
+              <a:rPr lang="en-US" sz="2200" dirty="0" smtClean="0"/>
               <a:t>Barbara Hill – </a:t>
             </a:r>
             <a:r>
-              <a:rPr lang="en-US" sz="2400" dirty="0" smtClean="0">
+              <a:rPr lang="en-US" sz="2200" dirty="0" smtClean="0">
                 <a:solidFill>
                   <a:schemeClr val="tx2"/>
                 </a:solidFill>
@@ -5342,45 +5342,41 @@
           <a:p>
             <a:pPr algn="ctr"/>
             <a:r>
-              <a:rPr lang="en-US" sz="2400" dirty="0" smtClean="0"/>
+              <a:rPr lang="en-US" sz="2200" dirty="0" smtClean="0"/>
               <a:t>Edwin </a:t>
             </a:r>
             <a:r>
-              <a:rPr lang="en-US" sz="2400" dirty="0" err="1" smtClean="0"/>
+              <a:rPr lang="en-US" sz="2200" dirty="0" err="1" smtClean="0"/>
               <a:t>Juárez</a:t>
             </a:r>
             <a:r>
-              <a:rPr lang="en-US" sz="2400" dirty="0" smtClean="0"/>
-              <a:t> </a:t>
-            </a:r>
-            <a:r>
-              <a:rPr lang="en-US" sz="2400" dirty="0" smtClean="0"/>
-              <a:t>– San Diego, CA</a:t>
+              <a:rPr lang="en-US" sz="2200" dirty="0" smtClean="0"/>
+              <a:t> – San Diego, CA</a:t>
             </a:r>
           </a:p>
           <a:p>
             <a:pPr algn="ctr"/>
             <a:r>
-              <a:rPr lang="en-US" sz="2400" dirty="0" smtClean="0"/>
+              <a:rPr lang="en-US" sz="2200" dirty="0" smtClean="0"/>
               <a:t>Forrest Kim – San Diego, CA</a:t>
             </a:r>
           </a:p>
           <a:p>
             <a:pPr algn="ctr"/>
             <a:r>
-              <a:rPr lang="en-US" sz="2400" dirty="0"/>
+              <a:rPr lang="en-US" sz="2200" dirty="0"/>
               <a:t>Arthur </a:t>
             </a:r>
             <a:r>
-              <a:rPr lang="en-US" sz="2400" dirty="0" err="1" smtClean="0"/>
+              <a:rPr lang="en-US" sz="2200" dirty="0" err="1" smtClean="0"/>
               <a:t>Liberzon</a:t>
             </a:r>
             <a:r>
-              <a:rPr lang="en-US" sz="2400" dirty="0" smtClean="0"/>
+              <a:rPr lang="en-US" sz="2200" dirty="0" smtClean="0"/>
               <a:t> – </a:t>
             </a:r>
             <a:r>
-              <a:rPr lang="en-US" sz="2400" dirty="0" smtClean="0">
+              <a:rPr lang="en-US" sz="2200" dirty="0" smtClean="0">
                 <a:solidFill>
                   <a:schemeClr val="tx2"/>
                 </a:solidFill>
@@ -5391,70 +5387,90 @@
           <a:p>
             <a:pPr algn="ctr"/>
             <a:r>
-              <a:rPr lang="en-US" sz="2400" dirty="0" smtClean="0"/>
+              <a:rPr lang="en-US" sz="2200" dirty="0" smtClean="0"/>
               <a:t>Ted </a:t>
             </a:r>
             <a:r>
-              <a:rPr lang="en-US" sz="2400" dirty="0" err="1" smtClean="0"/>
+              <a:rPr lang="en-US" sz="2200" dirty="0" err="1" smtClean="0"/>
               <a:t>Liefeld</a:t>
             </a:r>
             <a:r>
-              <a:rPr lang="en-US" sz="2400" dirty="0" smtClean="0"/>
+              <a:rPr lang="en-US" sz="2200" dirty="0" smtClean="0"/>
+              <a:t> – San Diego, </a:t>
+            </a:r>
+            <a:r>
+              <a:rPr lang="en-US" sz="2200" dirty="0" smtClean="0"/>
+              <a:t>CA</a:t>
+            </a:r>
+          </a:p>
+          <a:p>
+            <a:pPr algn="ctr"/>
+            <a:r>
+              <a:rPr lang="en-US" sz="2200" dirty="0" smtClean="0"/>
+              <a:t>Clarence </a:t>
+            </a:r>
+            <a:r>
+              <a:rPr lang="en-US" sz="2200" dirty="0" err="1" smtClean="0"/>
+              <a:t>Mah</a:t>
+            </a:r>
+            <a:r>
+              <a:rPr lang="en-US" sz="2200" dirty="0" smtClean="0"/>
               <a:t> – San Diego, CA</a:t>
             </a:r>
+            <a:endParaRPr lang="en-US" sz="2200" dirty="0" smtClean="0"/>
           </a:p>
           <a:p>
             <a:pPr algn="ctr"/>
             <a:r>
-              <a:rPr lang="en-US" sz="2400" dirty="0" smtClean="0"/>
+              <a:rPr lang="en-US" sz="2200" dirty="0" smtClean="0"/>
               <a:t>Michael Reich – San Diego, CA</a:t>
             </a:r>
           </a:p>
           <a:p>
             <a:pPr algn="ctr"/>
             <a:r>
-              <a:rPr lang="en-US" sz="2400" dirty="0"/>
+              <a:rPr lang="en-US" sz="2200" dirty="0"/>
               <a:t>Jim </a:t>
             </a:r>
             <a:r>
-              <a:rPr lang="en-US" sz="2400" dirty="0" smtClean="0"/>
+              <a:rPr lang="en-US" sz="2200" dirty="0" smtClean="0"/>
               <a:t>Robinson – San Diego, CA</a:t>
             </a:r>
           </a:p>
           <a:p>
             <a:pPr algn="ctr"/>
             <a:r>
-              <a:rPr lang="en-US" sz="2400" dirty="0" err="1" smtClean="0"/>
+              <a:rPr lang="en-US" sz="2200" dirty="0" err="1" smtClean="0"/>
               <a:t>Thorin</a:t>
             </a:r>
             <a:r>
-              <a:rPr lang="en-US" sz="2400" dirty="0" smtClean="0"/>
+              <a:rPr lang="en-US" sz="2200" dirty="0" smtClean="0"/>
               <a:t> Tabor – San Diego, CA</a:t>
             </a:r>
           </a:p>
           <a:p>
             <a:pPr algn="ctr"/>
             <a:r>
-              <a:rPr lang="en-US" sz="2400" dirty="0" smtClean="0"/>
+              <a:rPr lang="en-US" sz="2200" dirty="0" smtClean="0"/>
               <a:t>Pablo Tamayo – San Diego, CA</a:t>
             </a:r>
           </a:p>
           <a:p>
             <a:pPr algn="ctr"/>
             <a:r>
-              <a:rPr lang="en-US" sz="2400" dirty="0" smtClean="0"/>
+              <a:rPr lang="en-US" sz="2200" dirty="0" smtClean="0"/>
               <a:t>Helga </a:t>
             </a:r>
             <a:r>
-              <a:rPr lang="en-US" sz="2400" dirty="0" err="1" smtClean="0"/>
+              <a:rPr lang="en-US" sz="2200" dirty="0" err="1" smtClean="0"/>
               <a:t>Thorvaldsdottìr</a:t>
             </a:r>
             <a:r>
-              <a:rPr lang="en-US" sz="2400" dirty="0" smtClean="0"/>
+              <a:rPr lang="en-US" sz="2200" dirty="0" smtClean="0"/>
               <a:t> – </a:t>
             </a:r>
             <a:r>
-              <a:rPr lang="en-US" sz="2400" dirty="0" smtClean="0">
+              <a:rPr lang="en-US" sz="2200" dirty="0" smtClean="0">
                 <a:solidFill>
                   <a:schemeClr val="tx2"/>
                 </a:solidFill>
@@ -5465,15 +5481,15 @@
           <a:p>
             <a:pPr algn="ctr"/>
             <a:r>
-              <a:rPr lang="en-US" sz="2400" dirty="0"/>
+              <a:rPr lang="en-US" sz="2200" dirty="0"/>
               <a:t>Douglass </a:t>
             </a:r>
             <a:r>
-              <a:rPr lang="en-US" sz="2400" dirty="0" smtClean="0"/>
+              <a:rPr lang="en-US" sz="2200" dirty="0" smtClean="0"/>
               <a:t>Turner – </a:t>
             </a:r>
             <a:r>
-              <a:rPr lang="en-US" sz="2400" dirty="0" smtClean="0">
+              <a:rPr lang="en-US" sz="2200" dirty="0" smtClean="0">
                 <a:solidFill>
                   <a:schemeClr val="tx2"/>
                 </a:solidFill>
